--- a/powerpoint/Session1.pptx
+++ b/powerpoint/Session1.pptx
@@ -20006,16 +20006,6 @@
               </a:tabLst>
             </a:pPr>
             <a:r>
-              <a:rPr lang="en-US" sz="3200" b="0" strike="noStrike" spc="-1" dirty="0" err="1">
-                <a:solidFill>
-                  <a:srgbClr val="8B8B8B"/>
-                </a:solidFill>
-                <a:latin typeface="Calibri"/>
-                <a:ea typeface="DejaVu Sans"/>
-              </a:rPr>
-              <a:t>Michaelmas</a:t>
-            </a:r>
-            <a:r>
               <a:rPr lang="en-US" sz="3200" b="0" strike="noStrike" spc="-1" dirty="0">
                 <a:solidFill>
                   <a:srgbClr val="8B8B8B"/>
@@ -20023,7 +20013,7 @@
                 <a:latin typeface="Calibri"/>
                 <a:ea typeface="DejaVu Sans"/>
               </a:rPr>
-              <a:t> 2022</a:t>
+              <a:t>Hilary 2023</a:t>
             </a:r>
             <a:endParaRPr lang="en-GB" sz="3200" b="0" strike="noStrike" spc="-1" dirty="0">
               <a:latin typeface="Arial"/>
@@ -34344,7 +34334,7 @@
                 <a:latin typeface="Calibri"/>
                 <a:hlinkClick r:id="rId2"/>
               </a:rPr>
-              <a:t>/MSD_R_course_Dec2022</a:t>
+              <a:t>/MSD_R_course_HT2023</a:t>
             </a:r>
             <a:endParaRPr lang="en-US" sz="3600" spc="-1">
               <a:solidFill>
